--- a/JMeter-Slides.pptx
+++ b/JMeter-Slides.pptx
@@ -1418,6 +1418,23 @@
               <a:rPr lang="en-US" dirty="0" err="1"/>
               <a:t>Github</a:t>
             </a:r>
+            <a:endParaRPr lang="en-US" dirty="0"/>
+          </a:p>
+          <a:p>
+            <a:r>
+              <a:rPr lang="en-US" dirty="0"/>
+              <a:t>Use </a:t>
+            </a:r>
+            <a:r>
+              <a:rPr lang="en-US" dirty="0" err="1"/>
+              <a:t>gausian</a:t>
+            </a:r>
+            <a:r>
+              <a:rPr lang="en-US" dirty="0"/>
+              <a:t> random timer – delay execution of each thread</a:t>
+            </a:r>
+          </a:p>
+          <a:p>
             <a:endParaRPr lang="en-US" dirty="0"/>
           </a:p>
         </p:txBody>
@@ -5013,12 +5030,6 @@
           <a:p>
             <a:r>
               <a:rPr lang="en-US" sz="1900" dirty="0"/>
-              <a:t>Using CSV data set to simulate multiple users</a:t>
-            </a:r>
-          </a:p>
-          <a:p>
-            <a:r>
-              <a:rPr lang="en-US" sz="1900" dirty="0"/>
               <a:t>SPA and Ajax request performance</a:t>
             </a:r>
           </a:p>
@@ -5045,6 +5056,15 @@
               <a:rPr lang="en-US" sz="1900" dirty="0"/>
               <a:t>Testing Services(REST, SOAP, Database)</a:t>
             </a:r>
+          </a:p>
+          <a:p>
+            <a:r>
+              <a:rPr lang="en-US" sz="1900" dirty="0"/>
+              <a:t>Using CSV data set to simulate multiple users</a:t>
+            </a:r>
+          </a:p>
+          <a:p>
+            <a:endParaRPr lang="en-US" sz="1900" dirty="0"/>
           </a:p>
         </p:txBody>
       </p:sp>
